--- a/ppt-intro.pptx
+++ b/ppt-intro.pptx
@@ -7383,7 +7383,7 @@
             </a:r>
             <a:r>
               <a:rPr/>
-              <a:t> defined in the YAML header.</a:t>
+              <a:t> [optional] defined in the YAML header.</a:t>
             </a:r>
           </a:p>
           <a:p>

--- a/ppt-intro.pptx
+++ b/ppt-intro.pptx
@@ -7379,11 +7379,11 @@
             </a:pPr>
             <a:r>
               <a:rPr b="1"/>
-              <a:t>Title slide</a:t>
-            </a:r>
-            <a:r>
-              <a:rPr/>
-              <a:t> [optional] defined in the YAML header.</a:t>
+              <a:t>Title</a:t>
+            </a:r>
+            <a:r>
+              <a:rPr/>
+              <a:t>. Defined in the YAML header.</a:t>
             </a:r>
           </a:p>
           <a:p>
@@ -7392,11 +7392,11 @@
             </a:pPr>
             <a:r>
               <a:rPr b="1"/>
-              <a:t>Section header slides</a:t>
-            </a:r>
-            <a:r>
-              <a:rPr/>
-              <a:t> [optional] break the presentation into sections. These slides have a section header but no content.</a:t>
+              <a:t>Section header</a:t>
+            </a:r>
+            <a:r>
+              <a:rPr/>
+              <a:t>. Break the presentation into sections. These slides have a section header but no content.</a:t>
             </a:r>
           </a:p>
           <a:p>
@@ -7405,11 +7405,33 @@
             </a:pPr>
             <a:r>
               <a:rPr b="1"/>
-              <a:t>Title and content slides</a:t>
-            </a:r>
-            <a:r>
-              <a:rPr/>
-              <a:t> display the content in your presentation. See the </a:t>
+              <a:t>Title and content</a:t>
+            </a:r>
+            <a:r>
+              <a:rPr/>
+              <a:t>. Presentation content.</a:t>
+            </a:r>
+          </a:p>
+          <a:p>
+            <a:pPr lvl="1">
+              <a:buAutoNum type="arabicPeriod"/>
+            </a:pPr>
+            <a:r>
+              <a:rPr b="1"/>
+              <a:t>Two Content</a:t>
+            </a:r>
+            <a:r>
+              <a:rPr/>
+              <a:t>. Presentation content in two columns.</a:t>
+            </a:r>
+          </a:p>
+          <a:p>
+            <a:pPr lvl="0" marL="0" indent="0">
+              <a:buNone/>
+            </a:pPr>
+            <a:r>
+              <a:rPr/>
+              <a:t>See the </a:t>
             </a:r>
             <a:r>
               <a:rPr>
@@ -7429,7 +7451,7 @@
             </a:r>
             <a:r>
               <a:rPr/>
-              <a:t> option.</a:t>
+              <a:t> option</a:t>
             </a:r>
           </a:p>
         </p:txBody>
